--- a/figs/backtesting.pptx
+++ b/figs/backtesting.pptx
@@ -6,6 +6,7 @@
   </p:sldMasterIdLst>
   <p:sldIdLst>
     <p:sldId id="256" r:id="rId2"/>
+    <p:sldId id="257" r:id="rId3"/>
   </p:sldIdLst>
   <p:sldSz cx="12192000" cy="6858000"/>
   <p:notesSz cx="6858000" cy="9144000"/>
@@ -107,7 +108,7 @@
   <p:extLst>
     <p:ext uri="{EFAFB233-063F-42B5-8137-9DF3F51BA10A}">
       <p15:sldGuideLst xmlns:p15="http://schemas.microsoft.com/office/powerpoint/2012/main">
-        <p15:guide id="1" orient="horz" pos="1865" userDrawn="1">
+        <p15:guide id="1" orient="horz" pos="1502" userDrawn="1">
           <p15:clr>
             <a:srgbClr val="A4A3A4"/>
           </p15:clr>
@@ -270,7 +271,7 @@
           <a:p>
             <a:fld id="{229719B0-AAA2-40FB-A557-5C5B1F7573B7}" type="datetimeFigureOut">
               <a:rPr lang="pt-BR" smtClean="0"/>
-              <a:t>21/09/2022</a:t>
+              <a:t>23/09/2022</a:t>
             </a:fld>
             <a:endParaRPr lang="pt-BR"/>
           </a:p>
@@ -468,7 +469,7 @@
           <a:p>
             <a:fld id="{229719B0-AAA2-40FB-A557-5C5B1F7573B7}" type="datetimeFigureOut">
               <a:rPr lang="pt-BR" smtClean="0"/>
-              <a:t>21/09/2022</a:t>
+              <a:t>23/09/2022</a:t>
             </a:fld>
             <a:endParaRPr lang="pt-BR"/>
           </a:p>
@@ -676,7 +677,7 @@
           <a:p>
             <a:fld id="{229719B0-AAA2-40FB-A557-5C5B1F7573B7}" type="datetimeFigureOut">
               <a:rPr lang="pt-BR" smtClean="0"/>
-              <a:t>21/09/2022</a:t>
+              <a:t>23/09/2022</a:t>
             </a:fld>
             <a:endParaRPr lang="pt-BR"/>
           </a:p>
@@ -874,7 +875,7 @@
           <a:p>
             <a:fld id="{229719B0-AAA2-40FB-A557-5C5B1F7573B7}" type="datetimeFigureOut">
               <a:rPr lang="pt-BR" smtClean="0"/>
-              <a:t>21/09/2022</a:t>
+              <a:t>23/09/2022</a:t>
             </a:fld>
             <a:endParaRPr lang="pt-BR"/>
           </a:p>
@@ -1149,7 +1150,7 @@
           <a:p>
             <a:fld id="{229719B0-AAA2-40FB-A557-5C5B1F7573B7}" type="datetimeFigureOut">
               <a:rPr lang="pt-BR" smtClean="0"/>
-              <a:t>21/09/2022</a:t>
+              <a:t>23/09/2022</a:t>
             </a:fld>
             <a:endParaRPr lang="pt-BR"/>
           </a:p>
@@ -1414,7 +1415,7 @@
           <a:p>
             <a:fld id="{229719B0-AAA2-40FB-A557-5C5B1F7573B7}" type="datetimeFigureOut">
               <a:rPr lang="pt-BR" smtClean="0"/>
-              <a:t>21/09/2022</a:t>
+              <a:t>23/09/2022</a:t>
             </a:fld>
             <a:endParaRPr lang="pt-BR"/>
           </a:p>
@@ -1826,7 +1827,7 @@
           <a:p>
             <a:fld id="{229719B0-AAA2-40FB-A557-5C5B1F7573B7}" type="datetimeFigureOut">
               <a:rPr lang="pt-BR" smtClean="0"/>
-              <a:t>21/09/2022</a:t>
+              <a:t>23/09/2022</a:t>
             </a:fld>
             <a:endParaRPr lang="pt-BR"/>
           </a:p>
@@ -1967,7 +1968,7 @@
           <a:p>
             <a:fld id="{229719B0-AAA2-40FB-A557-5C5B1F7573B7}" type="datetimeFigureOut">
               <a:rPr lang="pt-BR" smtClean="0"/>
-              <a:t>21/09/2022</a:t>
+              <a:t>23/09/2022</a:t>
             </a:fld>
             <a:endParaRPr lang="pt-BR"/>
           </a:p>
@@ -2080,7 +2081,7 @@
           <a:p>
             <a:fld id="{229719B0-AAA2-40FB-A557-5C5B1F7573B7}" type="datetimeFigureOut">
               <a:rPr lang="pt-BR" smtClean="0"/>
-              <a:t>21/09/2022</a:t>
+              <a:t>23/09/2022</a:t>
             </a:fld>
             <a:endParaRPr lang="pt-BR"/>
           </a:p>
@@ -2391,7 +2392,7 @@
           <a:p>
             <a:fld id="{229719B0-AAA2-40FB-A557-5C5B1F7573B7}" type="datetimeFigureOut">
               <a:rPr lang="pt-BR" smtClean="0"/>
-              <a:t>21/09/2022</a:t>
+              <a:t>23/09/2022</a:t>
             </a:fld>
             <a:endParaRPr lang="pt-BR"/>
           </a:p>
@@ -2679,7 +2680,7 @@
           <a:p>
             <a:fld id="{229719B0-AAA2-40FB-A557-5C5B1F7573B7}" type="datetimeFigureOut">
               <a:rPr lang="pt-BR" smtClean="0"/>
-              <a:t>21/09/2022</a:t>
+              <a:t>23/09/2022</a:t>
             </a:fld>
             <a:endParaRPr lang="pt-BR"/>
           </a:p>
@@ -2920,7 +2921,7 @@
           <a:p>
             <a:fld id="{229719B0-AAA2-40FB-A557-5C5B1F7573B7}" type="datetimeFigureOut">
               <a:rPr lang="pt-BR" smtClean="0"/>
-              <a:t>21/09/2022</a:t>
+              <a:t>23/09/2022</a:t>
             </a:fld>
             <a:endParaRPr lang="pt-BR"/>
           </a:p>
@@ -4171,6 +4172,1330 @@
 </p:sld>
 </file>
 
+<file path=ppt/slides/slide2.xml><?xml version="1.0" encoding="utf-8"?>
+<p:sld xmlns:a="http://schemas.openxmlformats.org/drawingml/2006/main" xmlns:r="http://schemas.openxmlformats.org/officeDocument/2006/relationships" xmlns:p="http://schemas.openxmlformats.org/presentationml/2006/main">
+  <p:cSld>
+    <p:spTree>
+      <p:nvGrpSpPr>
+        <p:cNvPr id="1" name=""/>
+        <p:cNvGrpSpPr/>
+        <p:nvPr/>
+      </p:nvGrpSpPr>
+      <p:grpSpPr>
+        <a:xfrm>
+          <a:off x="0" y="0"/>
+          <a:ext cx="0" cy="0"/>
+          <a:chOff x="0" y="0"/>
+          <a:chExt cx="0" cy="0"/>
+        </a:xfrm>
+      </p:grpSpPr>
+      <p:sp>
+        <p:nvSpPr>
+          <p:cNvPr id="22" name="Retângulo 21">
+            <a:extLst>
+              <a:ext uri="{FF2B5EF4-FFF2-40B4-BE49-F238E27FC236}">
+                <a16:creationId xmlns:a16="http://schemas.microsoft.com/office/drawing/2014/main" id="{0047D252-D75E-52AE-A75A-5045D5D38FA7}"/>
+              </a:ext>
+            </a:extLst>
+          </p:cNvPr>
+          <p:cNvSpPr/>
+          <p:nvPr/>
+        </p:nvSpPr>
+        <p:spPr>
+          <a:xfrm>
+            <a:off x="1466096" y="2312434"/>
+            <a:ext cx="4003051" cy="536479"/>
+          </a:xfrm>
+          <a:prstGeom prst="rect">
+            <a:avLst/>
+          </a:prstGeom>
+          <a:solidFill>
+            <a:srgbClr val="D9D9D9">
+              <a:alpha val="36078"/>
+            </a:srgbClr>
+          </a:solidFill>
+          <a:ln>
+            <a:noFill/>
+          </a:ln>
+        </p:spPr>
+        <p:style>
+          <a:lnRef idx="2">
+            <a:schemeClr val="accent1">
+              <a:shade val="50000"/>
+            </a:schemeClr>
+          </a:lnRef>
+          <a:fillRef idx="1">
+            <a:schemeClr val="accent1"/>
+          </a:fillRef>
+          <a:effectRef idx="0">
+            <a:schemeClr val="accent1"/>
+          </a:effectRef>
+          <a:fontRef idx="minor">
+            <a:schemeClr val="lt1"/>
+          </a:fontRef>
+        </p:style>
+        <p:txBody>
+          <a:bodyPr rtlCol="0" anchor="ctr"/>
+          <a:lstStyle/>
+          <a:p>
+            <a:pPr algn="ctr"/>
+            <a:endParaRPr lang="pt-BR"/>
+          </a:p>
+        </p:txBody>
+      </p:sp>
+      <p:cxnSp>
+        <p:nvCxnSpPr>
+          <p:cNvPr id="5" name="Conector de Seta Reta 4">
+            <a:extLst>
+              <a:ext uri="{FF2B5EF4-FFF2-40B4-BE49-F238E27FC236}">
+                <a16:creationId xmlns:a16="http://schemas.microsoft.com/office/drawing/2014/main" id="{372F804C-302E-7675-0B34-85947CB50021}"/>
+              </a:ext>
+            </a:extLst>
+          </p:cNvPr>
+          <p:cNvCxnSpPr>
+            <a:cxnSpLocks/>
+          </p:cNvCxnSpPr>
+          <p:nvPr/>
+        </p:nvCxnSpPr>
+        <p:spPr>
+          <a:xfrm>
+            <a:off x="1449238" y="1224951"/>
+            <a:ext cx="5348377" cy="0"/>
+          </a:xfrm>
+          <a:prstGeom prst="straightConnector1">
+            <a:avLst/>
+          </a:prstGeom>
+          <a:ln>
+            <a:solidFill>
+              <a:schemeClr val="tx1"/>
+            </a:solidFill>
+            <a:tailEnd type="triangle"/>
+          </a:ln>
+        </p:spPr>
+        <p:style>
+          <a:lnRef idx="1">
+            <a:schemeClr val="accent1"/>
+          </a:lnRef>
+          <a:fillRef idx="0">
+            <a:schemeClr val="accent1"/>
+          </a:fillRef>
+          <a:effectRef idx="0">
+            <a:schemeClr val="accent1"/>
+          </a:effectRef>
+          <a:fontRef idx="minor">
+            <a:schemeClr val="tx1"/>
+          </a:fontRef>
+        </p:style>
+      </p:cxnSp>
+      <p:sp>
+        <p:nvSpPr>
+          <p:cNvPr id="6" name="Retângulo: Cantos Arredondados 5">
+            <a:extLst>
+              <a:ext uri="{FF2B5EF4-FFF2-40B4-BE49-F238E27FC236}">
+                <a16:creationId xmlns:a16="http://schemas.microsoft.com/office/drawing/2014/main" id="{53F3A61E-9354-F96C-7662-28C4A128B955}"/>
+              </a:ext>
+            </a:extLst>
+          </p:cNvPr>
+          <p:cNvSpPr/>
+          <p:nvPr/>
+        </p:nvSpPr>
+        <p:spPr>
+          <a:xfrm>
+            <a:off x="1449238" y="1371600"/>
+            <a:ext cx="1250830" cy="224287"/>
+          </a:xfrm>
+          <a:prstGeom prst="roundRect">
+            <a:avLst/>
+          </a:prstGeom>
+          <a:ln>
+            <a:noFill/>
+          </a:ln>
+        </p:spPr>
+        <p:style>
+          <a:lnRef idx="2">
+            <a:schemeClr val="accent1">
+              <a:shade val="50000"/>
+            </a:schemeClr>
+          </a:lnRef>
+          <a:fillRef idx="1">
+            <a:schemeClr val="accent1"/>
+          </a:fillRef>
+          <a:effectRef idx="0">
+            <a:schemeClr val="accent1"/>
+          </a:effectRef>
+          <a:fontRef idx="minor">
+            <a:schemeClr val="lt1"/>
+          </a:fontRef>
+        </p:style>
+        <p:txBody>
+          <a:bodyPr rtlCol="0" anchor="ctr"/>
+          <a:lstStyle/>
+          <a:p>
+            <a:pPr algn="ctr"/>
+            <a:endParaRPr lang="pt-BR"/>
+          </a:p>
+        </p:txBody>
+      </p:sp>
+      <p:sp>
+        <p:nvSpPr>
+          <p:cNvPr id="7" name="Retângulo: Cantos Arredondados 6">
+            <a:extLst>
+              <a:ext uri="{FF2B5EF4-FFF2-40B4-BE49-F238E27FC236}">
+                <a16:creationId xmlns:a16="http://schemas.microsoft.com/office/drawing/2014/main" id="{D0947126-2A54-3A0D-1DAD-6C882517766E}"/>
+              </a:ext>
+            </a:extLst>
+          </p:cNvPr>
+          <p:cNvSpPr/>
+          <p:nvPr/>
+        </p:nvSpPr>
+        <p:spPr>
+          <a:xfrm>
+            <a:off x="2794958" y="1371600"/>
+            <a:ext cx="517585" cy="224273"/>
+          </a:xfrm>
+          <a:prstGeom prst="roundRect">
+            <a:avLst/>
+          </a:prstGeom>
+          <a:solidFill>
+            <a:schemeClr val="accent2"/>
+          </a:solidFill>
+          <a:ln>
+            <a:noFill/>
+          </a:ln>
+        </p:spPr>
+        <p:style>
+          <a:lnRef idx="2">
+            <a:schemeClr val="accent1">
+              <a:shade val="50000"/>
+            </a:schemeClr>
+          </a:lnRef>
+          <a:fillRef idx="1">
+            <a:schemeClr val="accent1"/>
+          </a:fillRef>
+          <a:effectRef idx="0">
+            <a:schemeClr val="accent1"/>
+          </a:effectRef>
+          <a:fontRef idx="minor">
+            <a:schemeClr val="lt1"/>
+          </a:fontRef>
+        </p:style>
+        <p:txBody>
+          <a:bodyPr rtlCol="0" anchor="ctr"/>
+          <a:lstStyle/>
+          <a:p>
+            <a:pPr algn="ctr"/>
+            <a:endParaRPr lang="pt-BR"/>
+          </a:p>
+        </p:txBody>
+      </p:sp>
+      <p:sp>
+        <p:nvSpPr>
+          <p:cNvPr id="8" name="Retângulo: Cantos Arredondados 7">
+            <a:extLst>
+              <a:ext uri="{FF2B5EF4-FFF2-40B4-BE49-F238E27FC236}">
+                <a16:creationId xmlns:a16="http://schemas.microsoft.com/office/drawing/2014/main" id="{0B1CB0F1-43C6-0D5B-5319-6294774F2417}"/>
+              </a:ext>
+            </a:extLst>
+          </p:cNvPr>
+          <p:cNvSpPr/>
+          <p:nvPr/>
+        </p:nvSpPr>
+        <p:spPr>
+          <a:xfrm>
+            <a:off x="1449237" y="1699389"/>
+            <a:ext cx="1863305" cy="224287"/>
+          </a:xfrm>
+          <a:prstGeom prst="roundRect">
+            <a:avLst/>
+          </a:prstGeom>
+          <a:ln>
+            <a:noFill/>
+          </a:ln>
+        </p:spPr>
+        <p:style>
+          <a:lnRef idx="2">
+            <a:schemeClr val="accent1">
+              <a:shade val="50000"/>
+            </a:schemeClr>
+          </a:lnRef>
+          <a:fillRef idx="1">
+            <a:schemeClr val="accent1"/>
+          </a:fillRef>
+          <a:effectRef idx="0">
+            <a:schemeClr val="accent1"/>
+          </a:effectRef>
+          <a:fontRef idx="minor">
+            <a:schemeClr val="lt1"/>
+          </a:fontRef>
+        </p:style>
+        <p:txBody>
+          <a:bodyPr rtlCol="0" anchor="ctr"/>
+          <a:lstStyle/>
+          <a:p>
+            <a:pPr algn="ctr"/>
+            <a:endParaRPr lang="pt-BR"/>
+          </a:p>
+        </p:txBody>
+      </p:sp>
+      <p:sp>
+        <p:nvSpPr>
+          <p:cNvPr id="9" name="Retângulo: Cantos Arredondados 8">
+            <a:extLst>
+              <a:ext uri="{FF2B5EF4-FFF2-40B4-BE49-F238E27FC236}">
+                <a16:creationId xmlns:a16="http://schemas.microsoft.com/office/drawing/2014/main" id="{436103CE-D9F7-1B2D-C5EE-10CE0E9BAFC0}"/>
+              </a:ext>
+            </a:extLst>
+          </p:cNvPr>
+          <p:cNvSpPr/>
+          <p:nvPr/>
+        </p:nvSpPr>
+        <p:spPr>
+          <a:xfrm>
+            <a:off x="3398208" y="1699403"/>
+            <a:ext cx="517585" cy="224273"/>
+          </a:xfrm>
+          <a:prstGeom prst="roundRect">
+            <a:avLst/>
+          </a:prstGeom>
+          <a:solidFill>
+            <a:schemeClr val="accent2"/>
+          </a:solidFill>
+          <a:ln>
+            <a:noFill/>
+          </a:ln>
+        </p:spPr>
+        <p:style>
+          <a:lnRef idx="2">
+            <a:schemeClr val="accent1">
+              <a:shade val="50000"/>
+            </a:schemeClr>
+          </a:lnRef>
+          <a:fillRef idx="1">
+            <a:schemeClr val="accent1"/>
+          </a:fillRef>
+          <a:effectRef idx="0">
+            <a:schemeClr val="accent1"/>
+          </a:effectRef>
+          <a:fontRef idx="minor">
+            <a:schemeClr val="lt1"/>
+          </a:fontRef>
+        </p:style>
+        <p:txBody>
+          <a:bodyPr rtlCol="0" anchor="ctr"/>
+          <a:lstStyle/>
+          <a:p>
+            <a:pPr algn="ctr"/>
+            <a:endParaRPr lang="pt-BR"/>
+          </a:p>
+        </p:txBody>
+      </p:sp>
+      <p:sp>
+        <p:nvSpPr>
+          <p:cNvPr id="10" name="Retângulo: Cantos Arredondados 9">
+            <a:extLst>
+              <a:ext uri="{FF2B5EF4-FFF2-40B4-BE49-F238E27FC236}">
+                <a16:creationId xmlns:a16="http://schemas.microsoft.com/office/drawing/2014/main" id="{329991A9-59D8-7F14-4A95-3CB9F91C9B9D}"/>
+              </a:ext>
+            </a:extLst>
+          </p:cNvPr>
+          <p:cNvSpPr/>
+          <p:nvPr/>
+        </p:nvSpPr>
+        <p:spPr>
+          <a:xfrm>
+            <a:off x="1449236" y="2027178"/>
+            <a:ext cx="2472907" cy="224287"/>
+          </a:xfrm>
+          <a:prstGeom prst="roundRect">
+            <a:avLst/>
+          </a:prstGeom>
+          <a:ln>
+            <a:noFill/>
+          </a:ln>
+        </p:spPr>
+        <p:style>
+          <a:lnRef idx="2">
+            <a:schemeClr val="accent1">
+              <a:shade val="50000"/>
+            </a:schemeClr>
+          </a:lnRef>
+          <a:fillRef idx="1">
+            <a:schemeClr val="accent1"/>
+          </a:fillRef>
+          <a:effectRef idx="0">
+            <a:schemeClr val="accent1"/>
+          </a:effectRef>
+          <a:fontRef idx="minor">
+            <a:schemeClr val="lt1"/>
+          </a:fontRef>
+        </p:style>
+        <p:txBody>
+          <a:bodyPr rtlCol="0" anchor="ctr"/>
+          <a:lstStyle/>
+          <a:p>
+            <a:pPr algn="ctr"/>
+            <a:endParaRPr lang="pt-BR"/>
+          </a:p>
+        </p:txBody>
+      </p:sp>
+      <p:sp>
+        <p:nvSpPr>
+          <p:cNvPr id="11" name="Retângulo: Cantos Arredondados 10">
+            <a:extLst>
+              <a:ext uri="{FF2B5EF4-FFF2-40B4-BE49-F238E27FC236}">
+                <a16:creationId xmlns:a16="http://schemas.microsoft.com/office/drawing/2014/main" id="{23A92A51-04F2-62F3-E61E-53AD0CCAAEEB}"/>
+              </a:ext>
+            </a:extLst>
+          </p:cNvPr>
+          <p:cNvSpPr/>
+          <p:nvPr/>
+        </p:nvSpPr>
+        <p:spPr>
+          <a:xfrm>
+            <a:off x="4005532" y="2027178"/>
+            <a:ext cx="517585" cy="224273"/>
+          </a:xfrm>
+          <a:prstGeom prst="roundRect">
+            <a:avLst/>
+          </a:prstGeom>
+          <a:solidFill>
+            <a:schemeClr val="accent2"/>
+          </a:solidFill>
+          <a:ln>
+            <a:noFill/>
+          </a:ln>
+        </p:spPr>
+        <p:style>
+          <a:lnRef idx="2">
+            <a:schemeClr val="accent1">
+              <a:shade val="50000"/>
+            </a:schemeClr>
+          </a:lnRef>
+          <a:fillRef idx="1">
+            <a:schemeClr val="accent1"/>
+          </a:fillRef>
+          <a:effectRef idx="0">
+            <a:schemeClr val="accent1"/>
+          </a:effectRef>
+          <a:fontRef idx="minor">
+            <a:schemeClr val="lt1"/>
+          </a:fontRef>
+        </p:style>
+        <p:txBody>
+          <a:bodyPr rtlCol="0" anchor="ctr"/>
+          <a:lstStyle/>
+          <a:p>
+            <a:pPr algn="ctr"/>
+            <a:endParaRPr lang="pt-BR"/>
+          </a:p>
+        </p:txBody>
+      </p:sp>
+      <p:sp>
+        <p:nvSpPr>
+          <p:cNvPr id="12" name="Retângulo: Cantos Arredondados 11">
+            <a:extLst>
+              <a:ext uri="{FF2B5EF4-FFF2-40B4-BE49-F238E27FC236}">
+                <a16:creationId xmlns:a16="http://schemas.microsoft.com/office/drawing/2014/main" id="{F3271719-332A-0AFA-36E1-7758C15FEE9C}"/>
+              </a:ext>
+            </a:extLst>
+          </p:cNvPr>
+          <p:cNvSpPr/>
+          <p:nvPr/>
+        </p:nvSpPr>
+        <p:spPr>
+          <a:xfrm>
+            <a:off x="1449236" y="2907055"/>
+            <a:ext cx="4526836" cy="224287"/>
+          </a:xfrm>
+          <a:prstGeom prst="roundRect">
+            <a:avLst/>
+          </a:prstGeom>
+          <a:ln>
+            <a:noFill/>
+          </a:ln>
+        </p:spPr>
+        <p:style>
+          <a:lnRef idx="2">
+            <a:schemeClr val="accent1">
+              <a:shade val="50000"/>
+            </a:schemeClr>
+          </a:lnRef>
+          <a:fillRef idx="1">
+            <a:schemeClr val="accent1"/>
+          </a:fillRef>
+          <a:effectRef idx="0">
+            <a:schemeClr val="accent1"/>
+          </a:effectRef>
+          <a:fontRef idx="minor">
+            <a:schemeClr val="lt1"/>
+          </a:fontRef>
+        </p:style>
+        <p:txBody>
+          <a:bodyPr rtlCol="0" anchor="ctr"/>
+          <a:lstStyle/>
+          <a:p>
+            <a:pPr algn="ctr"/>
+            <a:endParaRPr lang="pt-BR"/>
+          </a:p>
+        </p:txBody>
+      </p:sp>
+      <p:sp>
+        <p:nvSpPr>
+          <p:cNvPr id="13" name="Retângulo: Cantos Arredondados 12">
+            <a:extLst>
+              <a:ext uri="{FF2B5EF4-FFF2-40B4-BE49-F238E27FC236}">
+                <a16:creationId xmlns:a16="http://schemas.microsoft.com/office/drawing/2014/main" id="{F26916A6-077F-F974-1611-782499572CD0}"/>
+              </a:ext>
+            </a:extLst>
+          </p:cNvPr>
+          <p:cNvSpPr/>
+          <p:nvPr/>
+        </p:nvSpPr>
+        <p:spPr>
+          <a:xfrm>
+            <a:off x="6053221" y="2907055"/>
+            <a:ext cx="517585" cy="224273"/>
+          </a:xfrm>
+          <a:prstGeom prst="roundRect">
+            <a:avLst/>
+          </a:prstGeom>
+          <a:solidFill>
+            <a:schemeClr val="accent2"/>
+          </a:solidFill>
+          <a:ln>
+            <a:noFill/>
+          </a:ln>
+        </p:spPr>
+        <p:style>
+          <a:lnRef idx="2">
+            <a:schemeClr val="accent1">
+              <a:shade val="50000"/>
+            </a:schemeClr>
+          </a:lnRef>
+          <a:fillRef idx="1">
+            <a:schemeClr val="accent1"/>
+          </a:fillRef>
+          <a:effectRef idx="0">
+            <a:schemeClr val="accent1"/>
+          </a:effectRef>
+          <a:fontRef idx="minor">
+            <a:schemeClr val="lt1"/>
+          </a:fontRef>
+        </p:style>
+        <p:txBody>
+          <a:bodyPr rtlCol="0" anchor="ctr"/>
+          <a:lstStyle/>
+          <a:p>
+            <a:pPr algn="ctr"/>
+            <a:endParaRPr lang="pt-BR"/>
+          </a:p>
+        </p:txBody>
+      </p:sp>
+      <p:cxnSp>
+        <p:nvCxnSpPr>
+          <p:cNvPr id="16" name="Conector reto 15">
+            <a:extLst>
+              <a:ext uri="{FF2B5EF4-FFF2-40B4-BE49-F238E27FC236}">
+                <a16:creationId xmlns:a16="http://schemas.microsoft.com/office/drawing/2014/main" id="{CD0BD0F0-20B2-E190-88FF-873622C7AB18}"/>
+              </a:ext>
+            </a:extLst>
+          </p:cNvPr>
+          <p:cNvCxnSpPr/>
+          <p:nvPr/>
+        </p:nvCxnSpPr>
+        <p:spPr>
+          <a:xfrm flipV="1">
+            <a:off x="2743198" y="1078302"/>
+            <a:ext cx="0" cy="517571"/>
+          </a:xfrm>
+          <a:prstGeom prst="line">
+            <a:avLst/>
+          </a:prstGeom>
+          <a:ln>
+            <a:solidFill>
+              <a:schemeClr val="tx1"/>
+            </a:solidFill>
+            <a:prstDash val="dash"/>
+          </a:ln>
+        </p:spPr>
+        <p:style>
+          <a:lnRef idx="1">
+            <a:schemeClr val="accent1"/>
+          </a:lnRef>
+          <a:fillRef idx="0">
+            <a:schemeClr val="accent1"/>
+          </a:fillRef>
+          <a:effectRef idx="0">
+            <a:schemeClr val="accent1"/>
+          </a:effectRef>
+          <a:fontRef idx="minor">
+            <a:schemeClr val="tx1"/>
+          </a:fontRef>
+        </p:style>
+      </p:cxnSp>
+      <p:cxnSp>
+        <p:nvCxnSpPr>
+          <p:cNvPr id="17" name="Conector reto 16">
+            <a:extLst>
+              <a:ext uri="{FF2B5EF4-FFF2-40B4-BE49-F238E27FC236}">
+                <a16:creationId xmlns:a16="http://schemas.microsoft.com/office/drawing/2014/main" id="{580871C0-DE08-B6F0-FA83-2AA503F9DA1B}"/>
+              </a:ext>
+            </a:extLst>
+          </p:cNvPr>
+          <p:cNvCxnSpPr>
+            <a:cxnSpLocks/>
+          </p:cNvCxnSpPr>
+          <p:nvPr/>
+        </p:nvCxnSpPr>
+        <p:spPr>
+          <a:xfrm flipV="1">
+            <a:off x="3353639" y="1078302"/>
+            <a:ext cx="0" cy="845374"/>
+          </a:xfrm>
+          <a:prstGeom prst="line">
+            <a:avLst/>
+          </a:prstGeom>
+          <a:ln>
+            <a:solidFill>
+              <a:schemeClr val="tx1"/>
+            </a:solidFill>
+            <a:prstDash val="dash"/>
+          </a:ln>
+        </p:spPr>
+        <p:style>
+          <a:lnRef idx="1">
+            <a:schemeClr val="accent1"/>
+          </a:lnRef>
+          <a:fillRef idx="0">
+            <a:schemeClr val="accent1"/>
+          </a:fillRef>
+          <a:effectRef idx="0">
+            <a:schemeClr val="accent1"/>
+          </a:effectRef>
+          <a:fontRef idx="minor">
+            <a:schemeClr val="tx1"/>
+          </a:fontRef>
+        </p:style>
+      </p:cxnSp>
+      <p:cxnSp>
+        <p:nvCxnSpPr>
+          <p:cNvPr id="18" name="Conector reto 17">
+            <a:extLst>
+              <a:ext uri="{FF2B5EF4-FFF2-40B4-BE49-F238E27FC236}">
+                <a16:creationId xmlns:a16="http://schemas.microsoft.com/office/drawing/2014/main" id="{ADED07D1-8552-32D0-53E9-ADCF420802AB}"/>
+              </a:ext>
+            </a:extLst>
+          </p:cNvPr>
+          <p:cNvCxnSpPr>
+            <a:cxnSpLocks/>
+          </p:cNvCxnSpPr>
+          <p:nvPr/>
+        </p:nvCxnSpPr>
+        <p:spPr>
+          <a:xfrm flipV="1">
+            <a:off x="3956647" y="1078302"/>
+            <a:ext cx="0" cy="1173167"/>
+          </a:xfrm>
+          <a:prstGeom prst="line">
+            <a:avLst/>
+          </a:prstGeom>
+          <a:ln>
+            <a:solidFill>
+              <a:schemeClr val="tx1"/>
+            </a:solidFill>
+            <a:prstDash val="dash"/>
+          </a:ln>
+        </p:spPr>
+        <p:style>
+          <a:lnRef idx="1">
+            <a:schemeClr val="accent1"/>
+          </a:lnRef>
+          <a:fillRef idx="0">
+            <a:schemeClr val="accent1"/>
+          </a:fillRef>
+          <a:effectRef idx="0">
+            <a:schemeClr val="accent1"/>
+          </a:effectRef>
+          <a:fontRef idx="minor">
+            <a:schemeClr val="tx1"/>
+          </a:fontRef>
+        </p:style>
+      </p:cxnSp>
+      <p:cxnSp>
+        <p:nvCxnSpPr>
+          <p:cNvPr id="19" name="Conector reto 18">
+            <a:extLst>
+              <a:ext uri="{FF2B5EF4-FFF2-40B4-BE49-F238E27FC236}">
+                <a16:creationId xmlns:a16="http://schemas.microsoft.com/office/drawing/2014/main" id="{358F5243-1E20-0910-FA94-1B6EFFA4BE11}"/>
+              </a:ext>
+            </a:extLst>
+          </p:cNvPr>
+          <p:cNvCxnSpPr>
+            <a:cxnSpLocks/>
+          </p:cNvCxnSpPr>
+          <p:nvPr/>
+        </p:nvCxnSpPr>
+        <p:spPr>
+          <a:xfrm flipV="1">
+            <a:off x="6014646" y="1078302"/>
+            <a:ext cx="0" cy="2078902"/>
+          </a:xfrm>
+          <a:prstGeom prst="line">
+            <a:avLst/>
+          </a:prstGeom>
+          <a:ln>
+            <a:solidFill>
+              <a:schemeClr val="tx1"/>
+            </a:solidFill>
+            <a:prstDash val="dash"/>
+          </a:ln>
+        </p:spPr>
+        <p:style>
+          <a:lnRef idx="1">
+            <a:schemeClr val="accent1"/>
+          </a:lnRef>
+          <a:fillRef idx="0">
+            <a:schemeClr val="accent1"/>
+          </a:fillRef>
+          <a:effectRef idx="0">
+            <a:schemeClr val="accent1"/>
+          </a:effectRef>
+          <a:fontRef idx="minor">
+            <a:schemeClr val="tx1"/>
+          </a:fontRef>
+        </p:style>
+      </p:cxnSp>
+      <p:cxnSp>
+        <p:nvCxnSpPr>
+          <p:cNvPr id="25" name="Conector de Seta Reta 24">
+            <a:extLst>
+              <a:ext uri="{FF2B5EF4-FFF2-40B4-BE49-F238E27FC236}">
+                <a16:creationId xmlns:a16="http://schemas.microsoft.com/office/drawing/2014/main" id="{E9FA3BB8-FCB4-97E2-CCAA-3D9406E7287D}"/>
+              </a:ext>
+            </a:extLst>
+          </p:cNvPr>
+          <p:cNvCxnSpPr/>
+          <p:nvPr/>
+        </p:nvCxnSpPr>
+        <p:spPr>
+          <a:xfrm>
+            <a:off x="2330450" y="3019191"/>
+            <a:ext cx="0" cy="485647"/>
+          </a:xfrm>
+          <a:prstGeom prst="straightConnector1">
+            <a:avLst/>
+          </a:prstGeom>
+          <a:ln>
+            <a:tailEnd type="triangle"/>
+          </a:ln>
+        </p:spPr>
+        <p:style>
+          <a:lnRef idx="1">
+            <a:schemeClr val="accent1"/>
+          </a:lnRef>
+          <a:fillRef idx="0">
+            <a:schemeClr val="accent1"/>
+          </a:fillRef>
+          <a:effectRef idx="0">
+            <a:schemeClr val="accent1"/>
+          </a:effectRef>
+          <a:fontRef idx="minor">
+            <a:schemeClr val="tx1"/>
+          </a:fontRef>
+        </p:style>
+      </p:cxnSp>
+      <p:cxnSp>
+        <p:nvCxnSpPr>
+          <p:cNvPr id="26" name="Conector de Seta Reta 25">
+            <a:extLst>
+              <a:ext uri="{FF2B5EF4-FFF2-40B4-BE49-F238E27FC236}">
+                <a16:creationId xmlns:a16="http://schemas.microsoft.com/office/drawing/2014/main" id="{44020DDD-E621-6069-7C21-F86E471E8846}"/>
+              </a:ext>
+            </a:extLst>
+          </p:cNvPr>
+          <p:cNvCxnSpPr/>
+          <p:nvPr/>
+        </p:nvCxnSpPr>
+        <p:spPr>
+          <a:xfrm>
+            <a:off x="6312013" y="3019190"/>
+            <a:ext cx="0" cy="485647"/>
+          </a:xfrm>
+          <a:prstGeom prst="straightConnector1">
+            <a:avLst/>
+          </a:prstGeom>
+          <a:ln>
+            <a:solidFill>
+              <a:schemeClr val="accent2"/>
+            </a:solidFill>
+            <a:tailEnd type="triangle"/>
+          </a:ln>
+        </p:spPr>
+        <p:style>
+          <a:lnRef idx="1">
+            <a:schemeClr val="accent1"/>
+          </a:lnRef>
+          <a:fillRef idx="0">
+            <a:schemeClr val="accent1"/>
+          </a:fillRef>
+          <a:effectRef idx="0">
+            <a:schemeClr val="accent1"/>
+          </a:effectRef>
+          <a:fontRef idx="minor">
+            <a:schemeClr val="tx1"/>
+          </a:fontRef>
+        </p:style>
+      </p:cxnSp>
+      <p:sp>
+        <p:nvSpPr>
+          <p:cNvPr id="27" name="CaixaDeTexto 26">
+            <a:extLst>
+              <a:ext uri="{FF2B5EF4-FFF2-40B4-BE49-F238E27FC236}">
+                <a16:creationId xmlns:a16="http://schemas.microsoft.com/office/drawing/2014/main" id="{2B718214-238B-FDF9-9209-85FF825E78F7}"/>
+              </a:ext>
+            </a:extLst>
+          </p:cNvPr>
+          <p:cNvSpPr txBox="1"/>
+          <p:nvPr/>
+        </p:nvSpPr>
+        <p:spPr>
+          <a:xfrm>
+            <a:off x="1349130" y="855619"/>
+            <a:ext cx="915002" cy="369332"/>
+          </a:xfrm>
+          <a:prstGeom prst="rect">
+            <a:avLst/>
+          </a:prstGeom>
+          <a:noFill/>
+        </p:spPr>
+        <p:txBody>
+          <a:bodyPr wrap="square" rtlCol="0">
+            <a:spAutoFit/>
+          </a:bodyPr>
+          <a:lstStyle/>
+          <a:p>
+            <a:r>
+              <a:rPr lang="pt-BR" dirty="0">
+                <a:latin typeface="Times New Roman" panose="02020603050405020304" pitchFamily="18" charset="0"/>
+                <a:cs typeface="Times New Roman" panose="02020603050405020304" pitchFamily="18" charset="0"/>
+              </a:rPr>
+              <a:t>Tempo</a:t>
+            </a:r>
+          </a:p>
+        </p:txBody>
+      </p:sp>
+      <p:sp>
+        <p:nvSpPr>
+          <p:cNvPr id="28" name="CaixaDeTexto 27">
+            <a:extLst>
+              <a:ext uri="{FF2B5EF4-FFF2-40B4-BE49-F238E27FC236}">
+                <a16:creationId xmlns:a16="http://schemas.microsoft.com/office/drawing/2014/main" id="{84E31092-B4B7-41A7-97DB-815A953597BA}"/>
+              </a:ext>
+            </a:extLst>
+          </p:cNvPr>
+          <p:cNvSpPr txBox="1"/>
+          <p:nvPr/>
+        </p:nvSpPr>
+        <p:spPr>
+          <a:xfrm>
+            <a:off x="1758920" y="3504837"/>
+            <a:ext cx="1243938" cy="276999"/>
+          </a:xfrm>
+          <a:prstGeom prst="rect">
+            <a:avLst/>
+          </a:prstGeom>
+          <a:noFill/>
+        </p:spPr>
+        <p:txBody>
+          <a:bodyPr wrap="square" rtlCol="0">
+            <a:spAutoFit/>
+          </a:bodyPr>
+          <a:lstStyle/>
+          <a:p>
+            <a:r>
+              <a:rPr lang="pt-BR" sz="1200" dirty="0">
+                <a:latin typeface="Times New Roman" panose="02020603050405020304" pitchFamily="18" charset="0"/>
+                <a:cs typeface="Times New Roman" panose="02020603050405020304" pitchFamily="18" charset="0"/>
+              </a:rPr>
+              <a:t>Dados passados</a:t>
+            </a:r>
+          </a:p>
+        </p:txBody>
+      </p:sp>
+      <p:sp>
+        <p:nvSpPr>
+          <p:cNvPr id="29" name="CaixaDeTexto 28">
+            <a:extLst>
+              <a:ext uri="{FF2B5EF4-FFF2-40B4-BE49-F238E27FC236}">
+                <a16:creationId xmlns:a16="http://schemas.microsoft.com/office/drawing/2014/main" id="{DFA4C0E9-AAC6-5551-527A-46CF63C8024E}"/>
+              </a:ext>
+            </a:extLst>
+          </p:cNvPr>
+          <p:cNvSpPr txBox="1"/>
+          <p:nvPr/>
+        </p:nvSpPr>
+        <p:spPr>
+          <a:xfrm>
+            <a:off x="5898139" y="3531472"/>
+            <a:ext cx="827747" cy="461665"/>
+          </a:xfrm>
+          <a:prstGeom prst="rect">
+            <a:avLst/>
+          </a:prstGeom>
+          <a:noFill/>
+        </p:spPr>
+        <p:txBody>
+          <a:bodyPr wrap="square" rtlCol="0">
+            <a:spAutoFit/>
+          </a:bodyPr>
+          <a:lstStyle/>
+          <a:p>
+            <a:pPr algn="ctr"/>
+            <a:r>
+              <a:rPr lang="pt-BR" sz="1200" dirty="0">
+                <a:latin typeface="Times New Roman" panose="02020603050405020304" pitchFamily="18" charset="0"/>
+                <a:cs typeface="Times New Roman" panose="02020603050405020304" pitchFamily="18" charset="0"/>
+              </a:rPr>
+              <a:t>Projeções (15 dias)</a:t>
+            </a:r>
+          </a:p>
+        </p:txBody>
+      </p:sp>
+      <p:sp>
+        <p:nvSpPr>
+          <p:cNvPr id="3" name="CaixaDeTexto 2">
+            <a:extLst>
+              <a:ext uri="{FF2B5EF4-FFF2-40B4-BE49-F238E27FC236}">
+                <a16:creationId xmlns:a16="http://schemas.microsoft.com/office/drawing/2014/main" id="{B04AD49F-95CF-48E0-8535-4E52006398BD}"/>
+              </a:ext>
+            </a:extLst>
+          </p:cNvPr>
+          <p:cNvSpPr txBox="1"/>
+          <p:nvPr/>
+        </p:nvSpPr>
+        <p:spPr>
+          <a:xfrm>
+            <a:off x="1918779" y="2210394"/>
+            <a:ext cx="234230" cy="646331"/>
+          </a:xfrm>
+          <a:prstGeom prst="rect">
+            <a:avLst/>
+          </a:prstGeom>
+          <a:noFill/>
+        </p:spPr>
+        <p:txBody>
+          <a:bodyPr wrap="square" rtlCol="0">
+            <a:spAutoFit/>
+          </a:bodyPr>
+          <a:lstStyle/>
+          <a:p>
+            <a:r>
+              <a:rPr lang="pt-BR" sz="1200" dirty="0"/>
+              <a:t>.</a:t>
+            </a:r>
+          </a:p>
+          <a:p>
+            <a:r>
+              <a:rPr lang="pt-BR" sz="1200" dirty="0"/>
+              <a:t>.</a:t>
+            </a:r>
+          </a:p>
+          <a:p>
+            <a:r>
+              <a:rPr lang="pt-BR" sz="1200" dirty="0"/>
+              <a:t>.</a:t>
+            </a:r>
+          </a:p>
+        </p:txBody>
+      </p:sp>
+      <p:sp>
+        <p:nvSpPr>
+          <p:cNvPr id="4" name="CaixaDeTexto 3">
+            <a:extLst>
+              <a:ext uri="{FF2B5EF4-FFF2-40B4-BE49-F238E27FC236}">
+                <a16:creationId xmlns:a16="http://schemas.microsoft.com/office/drawing/2014/main" id="{2DF7D086-6DD2-27CC-4A1E-E83D04E3A091}"/>
+              </a:ext>
+            </a:extLst>
+          </p:cNvPr>
+          <p:cNvSpPr txBox="1"/>
+          <p:nvPr/>
+        </p:nvSpPr>
+        <p:spPr>
+          <a:xfrm>
+            <a:off x="2660591" y="2210394"/>
+            <a:ext cx="234230" cy="646331"/>
+          </a:xfrm>
+          <a:prstGeom prst="rect">
+            <a:avLst/>
+          </a:prstGeom>
+          <a:noFill/>
+        </p:spPr>
+        <p:txBody>
+          <a:bodyPr wrap="square" rtlCol="0">
+            <a:spAutoFit/>
+          </a:bodyPr>
+          <a:lstStyle/>
+          <a:p>
+            <a:r>
+              <a:rPr lang="pt-BR" sz="1200" dirty="0"/>
+              <a:t>.</a:t>
+            </a:r>
+          </a:p>
+          <a:p>
+            <a:r>
+              <a:rPr lang="pt-BR" sz="1200" dirty="0"/>
+              <a:t>.</a:t>
+            </a:r>
+          </a:p>
+          <a:p>
+            <a:r>
+              <a:rPr lang="pt-BR" sz="1200" dirty="0"/>
+              <a:t>.</a:t>
+            </a:r>
+          </a:p>
+        </p:txBody>
+      </p:sp>
+      <p:sp>
+        <p:nvSpPr>
+          <p:cNvPr id="14" name="CaixaDeTexto 13">
+            <a:extLst>
+              <a:ext uri="{FF2B5EF4-FFF2-40B4-BE49-F238E27FC236}">
+                <a16:creationId xmlns:a16="http://schemas.microsoft.com/office/drawing/2014/main" id="{0EC30657-D220-4F4A-0EB2-B8F31AEF8CBA}"/>
+              </a:ext>
+            </a:extLst>
+          </p:cNvPr>
+          <p:cNvSpPr txBox="1"/>
+          <p:nvPr/>
+        </p:nvSpPr>
+        <p:spPr>
+          <a:xfrm>
+            <a:off x="3429727" y="2218269"/>
+            <a:ext cx="234230" cy="646331"/>
+          </a:xfrm>
+          <a:prstGeom prst="rect">
+            <a:avLst/>
+          </a:prstGeom>
+          <a:noFill/>
+        </p:spPr>
+        <p:txBody>
+          <a:bodyPr wrap="square" rtlCol="0">
+            <a:spAutoFit/>
+          </a:bodyPr>
+          <a:lstStyle/>
+          <a:p>
+            <a:r>
+              <a:rPr lang="pt-BR" sz="1200" dirty="0"/>
+              <a:t>.</a:t>
+            </a:r>
+          </a:p>
+          <a:p>
+            <a:r>
+              <a:rPr lang="pt-BR" sz="1200" dirty="0"/>
+              <a:t>.</a:t>
+            </a:r>
+          </a:p>
+          <a:p>
+            <a:r>
+              <a:rPr lang="pt-BR" sz="1200" dirty="0"/>
+              <a:t>.</a:t>
+            </a:r>
+          </a:p>
+        </p:txBody>
+      </p:sp>
+      <p:sp>
+        <p:nvSpPr>
+          <p:cNvPr id="24" name="CaixaDeTexto 23">
+            <a:extLst>
+              <a:ext uri="{FF2B5EF4-FFF2-40B4-BE49-F238E27FC236}">
+                <a16:creationId xmlns:a16="http://schemas.microsoft.com/office/drawing/2014/main" id="{48F2BE2C-D1E1-6734-B04F-8BDB67C63B2C}"/>
+              </a:ext>
+            </a:extLst>
+          </p:cNvPr>
+          <p:cNvSpPr txBox="1"/>
+          <p:nvPr/>
+        </p:nvSpPr>
+        <p:spPr>
+          <a:xfrm>
+            <a:off x="4161475" y="2218268"/>
+            <a:ext cx="234230" cy="646331"/>
+          </a:xfrm>
+          <a:prstGeom prst="rect">
+            <a:avLst/>
+          </a:prstGeom>
+          <a:noFill/>
+        </p:spPr>
+        <p:txBody>
+          <a:bodyPr wrap="square" rtlCol="0">
+            <a:spAutoFit/>
+          </a:bodyPr>
+          <a:lstStyle/>
+          <a:p>
+            <a:r>
+              <a:rPr lang="pt-BR" sz="1200" dirty="0"/>
+              <a:t>.</a:t>
+            </a:r>
+          </a:p>
+          <a:p>
+            <a:r>
+              <a:rPr lang="pt-BR" sz="1200" dirty="0"/>
+              <a:t>.</a:t>
+            </a:r>
+          </a:p>
+          <a:p>
+            <a:r>
+              <a:rPr lang="pt-BR" sz="1200" dirty="0"/>
+              <a:t>.</a:t>
+            </a:r>
+          </a:p>
+        </p:txBody>
+      </p:sp>
+      <p:sp>
+        <p:nvSpPr>
+          <p:cNvPr id="35" name="CaixaDeTexto 34">
+            <a:extLst>
+              <a:ext uri="{FF2B5EF4-FFF2-40B4-BE49-F238E27FC236}">
+                <a16:creationId xmlns:a16="http://schemas.microsoft.com/office/drawing/2014/main" id="{B3195900-332B-D797-8BCD-B75779CB9606}"/>
+              </a:ext>
+            </a:extLst>
+          </p:cNvPr>
+          <p:cNvSpPr txBox="1"/>
+          <p:nvPr/>
+        </p:nvSpPr>
+        <p:spPr>
+          <a:xfrm>
+            <a:off x="1104185" y="1284658"/>
+            <a:ext cx="355895" cy="369332"/>
+          </a:xfrm>
+          <a:prstGeom prst="rect">
+            <a:avLst/>
+          </a:prstGeom>
+          <a:noFill/>
+        </p:spPr>
+        <p:txBody>
+          <a:bodyPr wrap="square" rtlCol="0">
+            <a:spAutoFit/>
+          </a:bodyPr>
+          <a:lstStyle/>
+          <a:p>
+            <a:r>
+              <a:rPr lang="pt-BR" dirty="0"/>
+              <a:t>1</a:t>
+            </a:r>
+          </a:p>
+        </p:txBody>
+      </p:sp>
+      <p:sp>
+        <p:nvSpPr>
+          <p:cNvPr id="36" name="CaixaDeTexto 35">
+            <a:extLst>
+              <a:ext uri="{FF2B5EF4-FFF2-40B4-BE49-F238E27FC236}">
+                <a16:creationId xmlns:a16="http://schemas.microsoft.com/office/drawing/2014/main" id="{62269422-DFE3-2A1F-039E-0BB7CC840D7E}"/>
+              </a:ext>
+            </a:extLst>
+          </p:cNvPr>
+          <p:cNvSpPr txBox="1"/>
+          <p:nvPr/>
+        </p:nvSpPr>
+        <p:spPr>
+          <a:xfrm>
+            <a:off x="1104184" y="1616997"/>
+            <a:ext cx="355895" cy="369332"/>
+          </a:xfrm>
+          <a:prstGeom prst="rect">
+            <a:avLst/>
+          </a:prstGeom>
+          <a:noFill/>
+        </p:spPr>
+        <p:txBody>
+          <a:bodyPr wrap="square" rtlCol="0">
+            <a:spAutoFit/>
+          </a:bodyPr>
+          <a:lstStyle/>
+          <a:p>
+            <a:r>
+              <a:rPr lang="pt-BR" dirty="0"/>
+              <a:t>2</a:t>
+            </a:r>
+          </a:p>
+        </p:txBody>
+      </p:sp>
+      <p:sp>
+        <p:nvSpPr>
+          <p:cNvPr id="37" name="CaixaDeTexto 36">
+            <a:extLst>
+              <a:ext uri="{FF2B5EF4-FFF2-40B4-BE49-F238E27FC236}">
+                <a16:creationId xmlns:a16="http://schemas.microsoft.com/office/drawing/2014/main" id="{D86CA58C-3685-09E2-4EFA-1F5AD68DE598}"/>
+              </a:ext>
+            </a:extLst>
+          </p:cNvPr>
+          <p:cNvSpPr txBox="1"/>
+          <p:nvPr/>
+        </p:nvSpPr>
+        <p:spPr>
+          <a:xfrm>
+            <a:off x="1101575" y="1940710"/>
+            <a:ext cx="355895" cy="369332"/>
+          </a:xfrm>
+          <a:prstGeom prst="rect">
+            <a:avLst/>
+          </a:prstGeom>
+          <a:noFill/>
+        </p:spPr>
+        <p:txBody>
+          <a:bodyPr wrap="square" rtlCol="0">
+            <a:spAutoFit/>
+          </a:bodyPr>
+          <a:lstStyle/>
+          <a:p>
+            <a:r>
+              <a:rPr lang="pt-BR" dirty="0"/>
+              <a:t>3</a:t>
+            </a:r>
+          </a:p>
+        </p:txBody>
+      </p:sp>
+      <p:sp>
+        <p:nvSpPr>
+          <p:cNvPr id="38" name="CaixaDeTexto 37">
+            <a:extLst>
+              <a:ext uri="{FF2B5EF4-FFF2-40B4-BE49-F238E27FC236}">
+                <a16:creationId xmlns:a16="http://schemas.microsoft.com/office/drawing/2014/main" id="{B4A87894-6C33-2BA7-8480-00DAC68D8357}"/>
+              </a:ext>
+            </a:extLst>
+          </p:cNvPr>
+          <p:cNvSpPr txBox="1"/>
+          <p:nvPr/>
+        </p:nvSpPr>
+        <p:spPr>
+          <a:xfrm>
+            <a:off x="1042658" y="2839257"/>
+            <a:ext cx="475142" cy="369332"/>
+          </a:xfrm>
+          <a:prstGeom prst="rect">
+            <a:avLst/>
+          </a:prstGeom>
+          <a:noFill/>
+        </p:spPr>
+        <p:txBody>
+          <a:bodyPr wrap="square" rtlCol="0">
+            <a:spAutoFit/>
+          </a:bodyPr>
+          <a:lstStyle/>
+          <a:p>
+            <a:r>
+              <a:rPr lang="pt-BR" dirty="0"/>
+              <a:t>15</a:t>
+            </a:r>
+          </a:p>
+        </p:txBody>
+      </p:sp>
+      <p:sp>
+        <p:nvSpPr>
+          <p:cNvPr id="39" name="CaixaDeTexto 38">
+            <a:extLst>
+              <a:ext uri="{FF2B5EF4-FFF2-40B4-BE49-F238E27FC236}">
+                <a16:creationId xmlns:a16="http://schemas.microsoft.com/office/drawing/2014/main" id="{B742415F-DC6A-9E4B-E683-78B0A60D2B65}"/>
+              </a:ext>
+            </a:extLst>
+          </p:cNvPr>
+          <p:cNvSpPr txBox="1"/>
+          <p:nvPr/>
+        </p:nvSpPr>
+        <p:spPr>
+          <a:xfrm>
+            <a:off x="1129529" y="2216451"/>
+            <a:ext cx="234230" cy="646331"/>
+          </a:xfrm>
+          <a:prstGeom prst="rect">
+            <a:avLst/>
+          </a:prstGeom>
+          <a:noFill/>
+        </p:spPr>
+        <p:txBody>
+          <a:bodyPr wrap="square" rtlCol="0">
+            <a:spAutoFit/>
+          </a:bodyPr>
+          <a:lstStyle/>
+          <a:p>
+            <a:r>
+              <a:rPr lang="pt-BR" sz="1200" dirty="0"/>
+              <a:t>.</a:t>
+            </a:r>
+          </a:p>
+          <a:p>
+            <a:r>
+              <a:rPr lang="pt-BR" sz="1200" dirty="0"/>
+              <a:t>.</a:t>
+            </a:r>
+          </a:p>
+          <a:p>
+            <a:r>
+              <a:rPr lang="pt-BR" sz="1200" dirty="0"/>
+              <a:t>.</a:t>
+            </a:r>
+          </a:p>
+        </p:txBody>
+      </p:sp>
+      <p:sp>
+        <p:nvSpPr>
+          <p:cNvPr id="42" name="CaixaDeTexto 41">
+            <a:extLst>
+              <a:ext uri="{FF2B5EF4-FFF2-40B4-BE49-F238E27FC236}">
+                <a16:creationId xmlns:a16="http://schemas.microsoft.com/office/drawing/2014/main" id="{F9EAA423-EEE0-AC7A-3BA6-7595AC08DD2E}"/>
+              </a:ext>
+            </a:extLst>
+          </p:cNvPr>
+          <p:cNvSpPr txBox="1"/>
+          <p:nvPr/>
+        </p:nvSpPr>
+        <p:spPr>
+          <a:xfrm>
+            <a:off x="4843219" y="2224873"/>
+            <a:ext cx="234230" cy="646331"/>
+          </a:xfrm>
+          <a:prstGeom prst="rect">
+            <a:avLst/>
+          </a:prstGeom>
+          <a:noFill/>
+        </p:spPr>
+        <p:txBody>
+          <a:bodyPr wrap="square" rtlCol="0">
+            <a:spAutoFit/>
+          </a:bodyPr>
+          <a:lstStyle/>
+          <a:p>
+            <a:r>
+              <a:rPr lang="pt-BR" sz="1200" dirty="0"/>
+              <a:t>.</a:t>
+            </a:r>
+          </a:p>
+          <a:p>
+            <a:r>
+              <a:rPr lang="pt-BR" sz="1200" dirty="0"/>
+              <a:t>.</a:t>
+            </a:r>
+          </a:p>
+          <a:p>
+            <a:r>
+              <a:rPr lang="pt-BR" sz="1200" dirty="0"/>
+              <a:t>.</a:t>
+            </a:r>
+          </a:p>
+        </p:txBody>
+      </p:sp>
+    </p:spTree>
+    <p:extLst>
+      <p:ext uri="{BB962C8B-B14F-4D97-AF65-F5344CB8AC3E}">
+        <p14:creationId xmlns:p14="http://schemas.microsoft.com/office/powerpoint/2010/main" val="1780406955"/>
+      </p:ext>
+    </p:extLst>
+  </p:cSld>
+  <p:clrMapOvr>
+    <a:masterClrMapping/>
+  </p:clrMapOvr>
+</p:sld>
+</file>
+
 <file path=ppt/theme/theme1.xml><?xml version="1.0" encoding="utf-8"?>
 <a:theme xmlns:a="http://schemas.openxmlformats.org/drawingml/2006/main" name="Tema do Office">
   <a:themeElements>
